--- a/src/main/resources/lesson28/Join.Agregation.pptx
+++ b/src/main/resources/lesson28/Join.Agregation.pptx
@@ -13,8 +13,8 @@
     <p:sldId id="323" r:id="rId4"/>
     <p:sldId id="324" r:id="rId5"/>
     <p:sldId id="325" r:id="rId6"/>
-    <p:sldId id="327" r:id="rId7"/>
-    <p:sldId id="326" r:id="rId8"/>
+    <p:sldId id="326" r:id="rId7"/>
+    <p:sldId id="327" r:id="rId8"/>
     <p:sldId id="316" r:id="rId9"/>
   </p:sldIdLst>
   <p:sldSz cx="9144000" cy="6858000" type="screen4x3"/>
@@ -215,7 +215,7 @@
           <a:p>
             <a:fld id="{D15B1B1A-7302-47FC-952D-0C1A65EDA216}" type="datetimeFigureOut">
               <a:rPr lang="en-GB" smtClean="0"/>
-              <a:t>04/03/2023</a:t>
+              <a:t>18/03/2023</a:t>
             </a:fld>
             <a:endParaRPr lang="en-GB"/>
           </a:p>
@@ -977,7 +977,7 @@
     </p:spTree>
     <p:extLst>
       <p:ext uri="{BB962C8B-B14F-4D97-AF65-F5344CB8AC3E}">
-        <p14:creationId xmlns:p14="http://schemas.microsoft.com/office/powerpoint/2010/main" val="330289985"/>
+        <p14:creationId xmlns:p14="http://schemas.microsoft.com/office/powerpoint/2010/main" val="1872762564"/>
       </p:ext>
     </p:extLst>
   </p:cSld>
@@ -1061,7 +1061,7 @@
     </p:spTree>
     <p:extLst>
       <p:ext uri="{BB962C8B-B14F-4D97-AF65-F5344CB8AC3E}">
-        <p14:creationId xmlns:p14="http://schemas.microsoft.com/office/powerpoint/2010/main" val="1872762564"/>
+        <p14:creationId xmlns:p14="http://schemas.microsoft.com/office/powerpoint/2010/main" val="330289985"/>
       </p:ext>
     </p:extLst>
   </p:cSld>
@@ -1328,7 +1328,7 @@
           <a:p>
             <a:fld id="{B4C71EC6-210F-42DE-9C53-41977AD35B3D}" type="datetimeFigureOut">
               <a:rPr lang="ru-RU" smtClean="0"/>
-              <a:t>04.03.2023</a:t>
+              <a:t>18.03.2023</a:t>
             </a:fld>
             <a:endParaRPr lang="ru-RU"/>
           </a:p>
@@ -1493,7 +1493,7 @@
           <a:p>
             <a:fld id="{B4C71EC6-210F-42DE-9C53-41977AD35B3D}" type="datetimeFigureOut">
               <a:rPr lang="ru-RU" smtClean="0"/>
-              <a:t>04.03.2023</a:t>
+              <a:t>18.03.2023</a:t>
             </a:fld>
             <a:endParaRPr lang="ru-RU"/>
           </a:p>
@@ -1668,7 +1668,7 @@
           <a:p>
             <a:fld id="{B4C71EC6-210F-42DE-9C53-41977AD35B3D}" type="datetimeFigureOut">
               <a:rPr lang="ru-RU" smtClean="0"/>
-              <a:t>04.03.2023</a:t>
+              <a:t>18.03.2023</a:t>
             </a:fld>
             <a:endParaRPr lang="ru-RU"/>
           </a:p>
@@ -1833,7 +1833,7 @@
           <a:p>
             <a:fld id="{B4C71EC6-210F-42DE-9C53-41977AD35B3D}" type="datetimeFigureOut">
               <a:rPr lang="ru-RU" smtClean="0"/>
-              <a:t>04.03.2023</a:t>
+              <a:t>18.03.2023</a:t>
             </a:fld>
             <a:endParaRPr lang="ru-RU"/>
           </a:p>
@@ -2075,7 +2075,7 @@
           <a:p>
             <a:fld id="{B4C71EC6-210F-42DE-9C53-41977AD35B3D}" type="datetimeFigureOut">
               <a:rPr lang="ru-RU" smtClean="0"/>
-              <a:t>04.03.2023</a:t>
+              <a:t>18.03.2023</a:t>
             </a:fld>
             <a:endParaRPr lang="ru-RU"/>
           </a:p>
@@ -2339,7 +2339,7 @@
           <a:p>
             <a:fld id="{B4C71EC6-210F-42DE-9C53-41977AD35B3D}" type="datetimeFigureOut">
               <a:rPr lang="ru-RU" smtClean="0"/>
-              <a:t>04.03.2023</a:t>
+              <a:t>18.03.2023</a:t>
             </a:fld>
             <a:endParaRPr lang="ru-RU"/>
           </a:p>
@@ -2717,7 +2717,7 @@
           <a:p>
             <a:fld id="{B4C71EC6-210F-42DE-9C53-41977AD35B3D}" type="datetimeFigureOut">
               <a:rPr lang="ru-RU" smtClean="0"/>
-              <a:t>04.03.2023</a:t>
+              <a:t>18.03.2023</a:t>
             </a:fld>
             <a:endParaRPr lang="ru-RU"/>
           </a:p>
@@ -2867,7 +2867,7 @@
           <a:p>
             <a:fld id="{B4C71EC6-210F-42DE-9C53-41977AD35B3D}" type="datetimeFigureOut">
               <a:rPr lang="ru-RU" smtClean="0"/>
-              <a:t>04.03.2023</a:t>
+              <a:t>18.03.2023</a:t>
             </a:fld>
             <a:endParaRPr lang="ru-RU"/>
           </a:p>
@@ -2957,7 +2957,7 @@
           <a:p>
             <a:fld id="{B4C71EC6-210F-42DE-9C53-41977AD35B3D}" type="datetimeFigureOut">
               <a:rPr lang="ru-RU" smtClean="0"/>
-              <a:t>04.03.2023</a:t>
+              <a:t>18.03.2023</a:t>
             </a:fld>
             <a:endParaRPr lang="ru-RU"/>
           </a:p>
@@ -3218,7 +3218,7 @@
           <a:p>
             <a:fld id="{B4C71EC6-210F-42DE-9C53-41977AD35B3D}" type="datetimeFigureOut">
               <a:rPr lang="ru-RU" smtClean="0"/>
-              <a:t>04.03.2023</a:t>
+              <a:t>18.03.2023</a:t>
             </a:fld>
             <a:endParaRPr lang="ru-RU"/>
           </a:p>
@@ -3506,7 +3506,7 @@
           <a:p>
             <a:fld id="{B4C71EC6-210F-42DE-9C53-41977AD35B3D}" type="datetimeFigureOut">
               <a:rPr lang="ru-RU" smtClean="0"/>
-              <a:t>04.03.2023</a:t>
+              <a:t>18.03.2023</a:t>
             </a:fld>
             <a:endParaRPr lang="ru-RU"/>
           </a:p>
@@ -4277,7 +4277,7 @@
           <a:p>
             <a:fld id="{B4C71EC6-210F-42DE-9C53-41977AD35B3D}" type="datetimeFigureOut">
               <a:rPr lang="ru-RU" smtClean="0"/>
-              <a:t>04.03.2023</a:t>
+              <a:t>18.03.2023</a:t>
             </a:fld>
             <a:endParaRPr lang="ru-RU"/>
           </a:p>
@@ -5460,106 +5460,6 @@
           <a:p>
             <a:r>
               <a:rPr lang="en-US" sz="4500" dirty="0"/>
-              <a:t>Where </a:t>
-            </a:r>
-            <a:r>
-              <a:rPr lang="en-US" sz="4500"/>
-              <a:t>VS Having</a:t>
-            </a:r>
-            <a:endParaRPr lang="en-GB" sz="4500" dirty="0"/>
-          </a:p>
-        </p:txBody>
-      </p:sp>
-      <p:pic>
-        <p:nvPicPr>
-          <p:cNvPr id="3" name="Picture 2">
-            <a:extLst>
-              <a:ext uri="{FF2B5EF4-FFF2-40B4-BE49-F238E27FC236}">
-                <a16:creationId xmlns:a16="http://schemas.microsoft.com/office/drawing/2014/main" id="{D83FA531-8E81-4465-9DF6-B46E0A4C8DAC}"/>
-              </a:ext>
-            </a:extLst>
-          </p:cNvPr>
-          <p:cNvPicPr>
-            <a:picLocks noChangeAspect="1"/>
-          </p:cNvPicPr>
-          <p:nvPr/>
-        </p:nvPicPr>
-        <p:blipFill>
-          <a:blip r:embed="rId3"/>
-          <a:stretch>
-            <a:fillRect/>
-          </a:stretch>
-        </p:blipFill>
-        <p:spPr>
-          <a:xfrm>
-            <a:off x="0" y="1988840"/>
-            <a:ext cx="9144000" cy="3740977"/>
-          </a:xfrm>
-          <a:prstGeom prst="rect">
-            <a:avLst/>
-          </a:prstGeom>
-        </p:spPr>
-      </p:pic>
-    </p:spTree>
-    <p:extLst>
-      <p:ext uri="{BB962C8B-B14F-4D97-AF65-F5344CB8AC3E}">
-        <p14:creationId xmlns:p14="http://schemas.microsoft.com/office/powerpoint/2010/main" val="2919947444"/>
-      </p:ext>
-    </p:extLst>
-  </p:cSld>
-  <p:clrMapOvr>
-    <a:masterClrMapping/>
-  </p:clrMapOvr>
-</p:sld>
-</file>
-
-<file path=ppt/slides/slide7.xml><?xml version="1.0" encoding="utf-8"?>
-<p:sld xmlns:a="http://schemas.openxmlformats.org/drawingml/2006/main" xmlns:r="http://schemas.openxmlformats.org/officeDocument/2006/relationships" xmlns:p="http://schemas.openxmlformats.org/presentationml/2006/main">
-  <p:cSld>
-    <p:spTree>
-      <p:nvGrpSpPr>
-        <p:cNvPr id="1" name=""/>
-        <p:cNvGrpSpPr/>
-        <p:nvPr/>
-      </p:nvGrpSpPr>
-      <p:grpSpPr>
-        <a:xfrm>
-          <a:off x="0" y="0"/>
-          <a:ext cx="0" cy="0"/>
-          <a:chOff x="0" y="0"/>
-          <a:chExt cx="0" cy="0"/>
-        </a:xfrm>
-      </p:grpSpPr>
-      <p:sp>
-        <p:nvSpPr>
-          <p:cNvPr id="2" name="Title 1">
-            <a:extLst>
-              <a:ext uri="{FF2B5EF4-FFF2-40B4-BE49-F238E27FC236}">
-                <a16:creationId xmlns:a16="http://schemas.microsoft.com/office/drawing/2014/main" id="{13FA08C1-73B6-4F7A-B587-9970420A2F33}"/>
-              </a:ext>
-            </a:extLst>
-          </p:cNvPr>
-          <p:cNvSpPr>
-            <a:spLocks noGrp="1"/>
-          </p:cNvSpPr>
-          <p:nvPr>
-            <p:ph type="title"/>
-          </p:nvPr>
-        </p:nvSpPr>
-        <p:spPr>
-          <a:xfrm>
-            <a:off x="457200" y="704088"/>
-            <a:ext cx="8229600" cy="780696"/>
-          </a:xfrm>
-        </p:spPr>
-        <p:txBody>
-          <a:bodyPr>
-            <a:normAutofit/>
-          </a:bodyPr>
-          <a:lstStyle/>
-          <a:p>
-            <a:r>
-              <a:rPr lang="en-US" sz="4500" dirty="0"/>
               <a:t>SQL Group by</a:t>
             </a:r>
             <a:endParaRPr lang="en-GB" sz="4500" dirty="0"/>
@@ -5615,6 +5515,106 @@
     <p:extLst>
       <p:ext uri="{BB962C8B-B14F-4D97-AF65-F5344CB8AC3E}">
         <p14:creationId xmlns:p14="http://schemas.microsoft.com/office/powerpoint/2010/main" val="1255576494"/>
+      </p:ext>
+    </p:extLst>
+  </p:cSld>
+  <p:clrMapOvr>
+    <a:masterClrMapping/>
+  </p:clrMapOvr>
+</p:sld>
+</file>
+
+<file path=ppt/slides/slide7.xml><?xml version="1.0" encoding="utf-8"?>
+<p:sld xmlns:a="http://schemas.openxmlformats.org/drawingml/2006/main" xmlns:r="http://schemas.openxmlformats.org/officeDocument/2006/relationships" xmlns:p="http://schemas.openxmlformats.org/presentationml/2006/main">
+  <p:cSld>
+    <p:spTree>
+      <p:nvGrpSpPr>
+        <p:cNvPr id="1" name=""/>
+        <p:cNvGrpSpPr/>
+        <p:nvPr/>
+      </p:nvGrpSpPr>
+      <p:grpSpPr>
+        <a:xfrm>
+          <a:off x="0" y="0"/>
+          <a:ext cx="0" cy="0"/>
+          <a:chOff x="0" y="0"/>
+          <a:chExt cx="0" cy="0"/>
+        </a:xfrm>
+      </p:grpSpPr>
+      <p:sp>
+        <p:nvSpPr>
+          <p:cNvPr id="2" name="Title 1">
+            <a:extLst>
+              <a:ext uri="{FF2B5EF4-FFF2-40B4-BE49-F238E27FC236}">
+                <a16:creationId xmlns:a16="http://schemas.microsoft.com/office/drawing/2014/main" id="{13FA08C1-73B6-4F7A-B587-9970420A2F33}"/>
+              </a:ext>
+            </a:extLst>
+          </p:cNvPr>
+          <p:cNvSpPr>
+            <a:spLocks noGrp="1"/>
+          </p:cNvSpPr>
+          <p:nvPr>
+            <p:ph type="title"/>
+          </p:nvPr>
+        </p:nvSpPr>
+        <p:spPr>
+          <a:xfrm>
+            <a:off x="457200" y="704088"/>
+            <a:ext cx="8229600" cy="780696"/>
+          </a:xfrm>
+        </p:spPr>
+        <p:txBody>
+          <a:bodyPr>
+            <a:normAutofit/>
+          </a:bodyPr>
+          <a:lstStyle/>
+          <a:p>
+            <a:r>
+              <a:rPr lang="en-US" sz="4500" dirty="0"/>
+              <a:t>Where </a:t>
+            </a:r>
+            <a:r>
+              <a:rPr lang="en-US" sz="4500"/>
+              <a:t>VS Having</a:t>
+            </a:r>
+            <a:endParaRPr lang="en-GB" sz="4500" dirty="0"/>
+          </a:p>
+        </p:txBody>
+      </p:sp>
+      <p:pic>
+        <p:nvPicPr>
+          <p:cNvPr id="3" name="Picture 2">
+            <a:extLst>
+              <a:ext uri="{FF2B5EF4-FFF2-40B4-BE49-F238E27FC236}">
+                <a16:creationId xmlns:a16="http://schemas.microsoft.com/office/drawing/2014/main" id="{D83FA531-8E81-4465-9DF6-B46E0A4C8DAC}"/>
+              </a:ext>
+            </a:extLst>
+          </p:cNvPr>
+          <p:cNvPicPr>
+            <a:picLocks noChangeAspect="1"/>
+          </p:cNvPicPr>
+          <p:nvPr/>
+        </p:nvPicPr>
+        <p:blipFill>
+          <a:blip r:embed="rId3"/>
+          <a:stretch>
+            <a:fillRect/>
+          </a:stretch>
+        </p:blipFill>
+        <p:spPr>
+          <a:xfrm>
+            <a:off x="0" y="1988840"/>
+            <a:ext cx="9144000" cy="3740977"/>
+          </a:xfrm>
+          <a:prstGeom prst="rect">
+            <a:avLst/>
+          </a:prstGeom>
+        </p:spPr>
+      </p:pic>
+    </p:spTree>
+    <p:extLst>
+      <p:ext uri="{BB962C8B-B14F-4D97-AF65-F5344CB8AC3E}">
+        <p14:creationId xmlns:p14="http://schemas.microsoft.com/office/powerpoint/2010/main" val="2919947444"/>
       </p:ext>
     </p:extLst>
   </p:cSld>
